--- a/2022秋季-数据结构-第4章-树b.pptx
+++ b/2022秋季-数据结构-第4章-树b.pptx
@@ -119,7 +119,7 @@
       </a:defRPr>
     </a:lvl9pPr>
   </p:defaultTextStyle>
-  <p:modifyVerifier cryptProviderType="rsaFull" cryptAlgorithmClass="hash" cryptAlgorithmType="typeAny" cryptAlgorithmSid="4" spinCount="100000" saltData="KNebsGjZvUglWQ7dt34GxA==" hashData="JSLP3WXImD04KL2l2eZyX5nbkYk="/>
+  <p:modifyVerifier cryptProviderType="rsaFull" cryptAlgorithmClass="hash" cryptAlgorithmType="typeAny" cryptAlgorithmSid="4" spinCount="100000" saltData="fU5SlKlQSTorcFhoCFOo0g==" hashData="FWoRp+F/Jp9uOiFTduTm70uulOA="/>
 </p:presentation>
 </file>
 
@@ -8620,59 +8620,6 @@
                       </p:childTnLst>
                     </p:cTn>
                   </p:par>
-                  <p:par>
-                    <p:cTn id="30" fill="hold">
-                      <p:stCondLst>
-                        <p:cond delay="indefinite"/>
-                      </p:stCondLst>
-                      <p:childTnLst>
-                        <p:par>
-                          <p:cTn id="31" fill="hold">
-                            <p:stCondLst>
-                              <p:cond delay="0"/>
-                            </p:stCondLst>
-                            <p:childTnLst>
-                              <p:par>
-                                <p:cTn id="32" presetID="22" presetClass="entr" presetSubtype="8" fill="hold" nodeType="clickEffect">
-                                  <p:stCondLst>
-                                    <p:cond delay="0"/>
-                                  </p:stCondLst>
-                                  <p:childTnLst>
-                                    <p:set>
-                                      <p:cBhvr>
-                                        <p:cTn id="33" dur="1" fill="hold">
-                                          <p:stCondLst>
-                                            <p:cond delay="0"/>
-                                          </p:stCondLst>
-                                        </p:cTn>
-                                        <p:tgtEl>
-                                          <p:spTgt spid="78"/>
-                                        </p:tgtEl>
-                                        <p:attrNameLst>
-                                          <p:attrName>style.visibility</p:attrName>
-                                        </p:attrNameLst>
-                                      </p:cBhvr>
-                                      <p:to>
-                                        <p:strVal val="visible"/>
-                                      </p:to>
-                                    </p:set>
-                                    <p:animEffect transition="in" filter="wipe(left)">
-                                      <p:cBhvr>
-                                        <p:cTn id="34" dur="500"/>
-                                        <p:tgtEl>
-                                          <p:spTgt spid="78"/>
-                                        </p:tgtEl>
-                                      </p:cBhvr>
-                                    </p:animEffect>
-                                  </p:childTnLst>
-                                </p:cTn>
-                              </p:par>
-                            </p:childTnLst>
-                          </p:cTn>
-                        </p:par>
-                      </p:childTnLst>
-                    </p:cTn>
-                  </p:par>
                 </p:childTnLst>
               </p:cTn>
               <p:prevCondLst>
@@ -18761,25 +18708,4 @@
     </a:ext>
   </a:extLst>
 </a:theme>
-</file>
-
-<file path=customXml/item1.xml><?xml version="1.0" encoding="utf-8"?>
-<s:customData xmlns="http://www.wps.cn/officeDocument/2013/wpsCustomData" xmlns:s="http://www.wps.cn/officeDocument/2013/wpsCustomData">
-  <extobjs>
-    <extobj name="334E55B0-647D-440b-865C-3EC943EB4CBC-1">
-      <extobjdata type="334E55B0-647D-440b-865C-3EC943EB4CBC" data="ewoJIkltZ1NldHRpbmdKc29uIiA6ICJ7XCJkcGlcIjpcIjYwMFwiLFwiZm9ybWF0XCI6XCJQTkdcIixcInRyYW5zcGFyZW50XCI6dHJ1ZSxcImF1dG9cIjpmYWxzZX0iLAoJIkxhdGV4IiA6ICJYRnNnWEd4bWJHOXZjbHhzYjJkZk1pQnVYSEptYkc5dmNpQmNYUT09IiwKCSJMYXRleEltZ0Jhc2U2NCIgOiAiaVZCT1J3MEtHZ29BQUFBTlNVaEVVZ0FBQVA0QUFBQlRCQU1BQUFCTk9xZFNBQUFBTUZCTVZFWC8vLzhBQUFBQUFBQUFBQUFBQUFBQUFBQUFBQUFBQUFBQUFBQUFBQUFBQUFBQUFBQUFBQUFBQUFBQUFBQUFBQUF2M2FCN0FBQUFEM1JTVGxNQUVOM3ZNbWFaaWF1N1JDSjJ6VlREb2lnMUFBQUFDWEJJV1hNQUFBN0VBQUFPeEFHVkt3NGJBQUFIbUVsRVFWUm9CZTFZVFdoY1ZSUytreWFtelV5YTJKVlVRa0lyV0JHWjJBZ3RWSGx4bys0U0ZVVGRUQVFwV2lrVHFiZ1JuSFRUall1cHVoUk1vSXRTbFRhb0d5dVM3TlJ1cHFSWUtWSW1DMUZFWmRJWmJkUFc5dmlkKy85ZVp1N01xOUJ4a1F2ejdybjNubk8rZTM3dTM0Z2RqNG51bGVmblJPRnE5K0JGL3FZb3JYY1JuLzRTeGV2ZHhMOFJ4Ly95OUxldnJleS9leE9pT1A0QWNibUxBZm1mNFdmZlB0eFYreEg0KzdycGYrQm51b3d2b2k3bUh5KzhmSmZ4cTV2NEhJYTdVeEw3RDROdStyOTcrLyttL3pmemIzUDlkYjcrVHE1Y1hQeFBHMlhiL1MvejRrcmowbHR4ak94THUyblBzK2g3RHBlbE5xK1g3UjgrOGFxVXp2eHlvYkZuT3E1SWlIYjRmVldpUE5HK1lVK3dkeDZ3UkVmRkNCM0s1Rzk1STAzSWNvTm9CdjJab2xTMG5HQnBneitRcHgrR3hjNHkvZVBKbFduOXljd3pST2VpVjBRZmtUODFqMHVSVyt1VC9jUVBqRW9EYmpnaFNaK3BEWDZaSG1EdWpLNmw1T2ZVbUFReFJYUmJpSDZpWUFJVUhoVzRVQzJMcmZnSmtWVytBR1ZLR0gvRVhFVmc1b0lXeVVSMGdFazhGYzRMMFV0aC8wZXJRc3pUbXBqL1NZcVg4ZDZLbFNCK05rOXptcnRHZjJ1cWgyaGFrZ2dENnFlWGRYL1RhbnNkM1VXNlBhamZlRFZqa09FTzR2Y1FpOHNDUHk4b3FrSU5SU0FBdWt1MW0zMjNjZDZVNldyNXVCcWRNc0tHT1loZnBwdUdEN2RTUkJJRjEzUDlYdDlDTkNhN0FwL1JLeGlza2czU2FESmRRL2dJdXA0MmxCUzBEblRxU0d3bGIzb3Q1bEJnQlpGalhFcW1hd2dmazEyMWVvZDBZNXRNZSs1R1NQeFZhVGw5b29wVVFkTHJqSkdMWnRFZkQrNC9KU0xIQzJ2SHVJWDB1NkY2YzVSTUp0WHZmM2x4Ym5mdWh4YzlsY3dZc0IrUjl0WVcwS1RmNFFlOWhCQUpiOXhIdGZRQXArbzlWb0tYZ3Mxb3hSVEFoMzd2bjZGZWpaWUt2LzhhVU9DeDgyWkcxZVFHR01CSHBNMmFoemk4SVhmYVZQNGYrQWlTbzBTekJwK0laK1NWQUQ0czlmQUY4RmNoR011L2hESlByMGZXeU80VDJETjE4cGp4QVA0Wm0rbVNPU0s1R1NLYmROYjdjVFhxbXRWRmwzTVFXWXV6QlBBTDhjbm1kUmpKaEJDUkdJc3JhOTdLdXpUMVUwRXhCL0JMRy9BbFhNV1lzMFRXcjgyQlZTOFN4NFlKSXN0eDNnQSsvT1lmVnJCZitnNDJLQjNGOXN1ZnNSQXdHM080ZEpMN1hBbmdsNXZqeDg5ZnEybmdjRlQvY2NFMkhlSEh2SnBjL3FIOUIvYmJpVU5kUkRRdXRkYW9QZ3lpUnJlNDBxVVB3MFNOTjAzYjFWN01zUlBiVUdpR2dQMlZlUDVEL1pnVWlzcDBiVEZ6eWx2VjJPUHo5WE5mbjBTSXBoMndwa1lkSS9aUWQ2Q3E0UUIrWVFQK2NaYkpYZXVkeDF5STN0TUFYRTNWSi9GdGVpTFV5S1pwa3hVVHdKL2FzUC9NQUVOc3VTS3kzK2NiOHY3TmJTN1o2SDFaUTJST0V0Nm5hTmFMRUV2T0ZZWWhnSS83aFJjdFBrVVhXR3BxM01pNmVsQWZSTmpmL0MxVE1sVGQ4aStwMC8vVW9wTU00Q054OWEyTjJiR00xTDJyTXVha0RWWGphdzZYY3ZKK3crZUd0U0t2MHI4NktYbmxKNEFQWS9STmp6bHgyK0RySm83UU5WbkZQdk16dWdrUEw4ZEcrSnBzVmhHT1VONjZzLzRWSUlBdnFyNHhneVozeThrVTVyT3hNYXRRd1RVV3g4ZThqWE5Bc215LzU5WFEraGRuZkdOZzJZelVYRlJ1OEZHMFlhemJvV2tHYjBaNkoraTU3Y21HN01kUjYzSU51VE1zNVNyZXBWQXJnbzkxQXVMT2tuRFBrSm0zVFA5cFNNUVNPSVNmaVZ3MkkvMzF0SmV3KzNnR01JbEI3Vk4vczFkTWNPS3FvdGlmYk1MOHNtNXoxUVEvTXNid0U4OUF3WTJ6U2d4VVk5ZXV5NWN2SFh2WERPSnhvQ2NIKy8wekN4TFdiNEx4MFNIdmhFb1Z2azN3eVI0U3NHWk1jNWJzWVlkZzIvS3hIdjJxUHEyb2pUdXNkK1FzU2NONllqdkVSbnlvc0I0N1FYVmxJMjdmMm54cGtaM0FQajBCVThWU1JuWjZsOWd0MG9iU2NjUE1kUUkvZS9EMUNNb2J4dzRPOHlnZW9QS3lOVkExRGtZblQ5QVcrVHhuVmxXR1hMYXBEbmpMTEg4SUlrdHo4dkEwL0VsOFpMSXV5bTRjcTFkL3Z2K1BQSzNMK2JCWTVvaGhrZldrVmNWRXhXV002a2RDbU9YUEQ4SEozdmtETVlHRS9RTTBzZmVSeXl1N0owemk1ZklTWlYxTmgwV0w5RGczTXZlZWZhR0tzVEh1c3dYVHRiUWtZTkNzN1JtaGV1UU1rZDBKZk10cWlleDNGeG9QSGJKTnNjTjNCZjUvc3BzN3M4RGFjY2NxcVNOK2l2d1c3VitJajdmRmo3T3pENTA5N0l6WTN6OUwxR0RmcENocDhYTjJjVW9RbkpIVEhsbzF1ZnE5c2Vaa1d2elJCRUxrL1VYQUw4MkY1akF0ZTlQaTF4SUJMdnJ0U3JzL0l6ZE9JeTEreWJjWDZncmVnNnBQWFl3M2dnUjYwdUtYYVM2bXJlYmhGeEp6aXpHMmFLVEZyN2kzdk5SWWNSdEFYM3d0dGdCTWRLZkZQNU00MzZ2NlZnSzFoZFRKQjZHMCtJUDJISlNHWUhzekM3NlBIazdZMWtrekxUN09FMy9CZitIMjI4cjFZUWJzZTZNVFdNdVRGaC9QUG5raUtnVzlidm5uZEdMMkpPNWZGcWs1a1JvZlcveFJxNnJpb2xIUkI4SFFtaDN0aEVpTkw3NGhla2RwenVENFdkVWdPUk9XcWZPZHdGcWU5UGppVDZJSGY4Y0IvTm04OTk2dW1GdEdhYzdxN29TNEEzenhWSVJ6bjMvck5oVno1dHpibVh6L3RKbkVuZUNMN0s4ZlRORGVpeTg3M1JXYTRNS1RXbkM5SFZDTVgvOUVsVTg3NEcvT2dtZVBMWXZOV1JLOVp4WGthZUNYck9oY2dxbmpwbFBoSHZ0QllienRkYm5CZDBaZHhvTXlyUWY5SjBIaS8rVVdRa3NHRXRlSkVVT2JSMFFMbWRiZGVLZllzdDZhelJ1NVIxMXJJVFgzTDJFaXMwbk1CSTkyQUFBQUFFbEZUa1N1UW1DQyIKfQo="/>
-    </extobj>
-    <extobj name="334E55B0-647D-440b-865C-3EC943EB4CBC-2">
-      <extobjdata type="334E55B0-647D-440b-865C-3EC943EB4CBC" data="ewoJIkltZ1NldHRpbmdKc29uIiA6ICJ7XCJkcGlcIjpcIjYwMFwiLFwiZm9ybWF0XCI6XCJQTkdcIixcInRyYW5zcGFyZW50XCI6dHJ1ZSxcImF1dG9cIjpmYWxzZX0iLAoJIkxhdGV4IiA6ICJJQ0FnSUNBZ0lDQmNZbVZuYVc1N1lXeHBaMjRxZlFvZ0lDQWdJQ0FnSUc0bVhHZGxJREplYTF4Y0NpQWdJQ0FnSUNBZ2JpWThNbDU3YXlzeGZRb2dJQ0FnSUNBZ0lGeGxibVI3WVd4cFoyNHFmUT09IiwKCSJMYXRleEltZ0Jhc2U2NCIgOiAiaVZCT1J3MEtHZ29BQUFBTlNVaEVVZ0FBQVR3QUFBRFJCQU1BQUFDamhoUGRBQUFBTUZCTVZFWC8vLzhBQUFBQUFBQUFBQUFBQUFBQUFBQUFBQUFBQUFBQUFBQUFBQUFBQUFBQUFBQUFBQUFBQUFBQUFBQUFBQUF2M2FCN0FBQUFEM1JTVGxNQVZMdnZ6Wmt5RU4yclpuYUpSQ0lHWEdMMEFBQUFDWEJJV1hNQUFBN0VBQUFPeEFHVkt3NGJBQUFMVEVsRVFWUjRBZTFkWFlnc1J4V3UvY25NM2IzN3AvamcyeXhFeEJlZG1FVzlKSEpuUk1XQWhna1NESUpraDBSUVg5elZSSkxnaFYyTnhJdWdjMFBRZ0dKbVJRVE55eTc0NGtOZ0YvTVE4TUhkaFBnZ0NETVNGQlJrcjNmdXZlN0dtUEk3MWQxVjFUUGQ5ZE85MHp1UXJvZWRxcTQ2NTN4OXVuNU9WYzk4eTFoUjZaOHZmZjYrWjRveTVtMW5pU1BkOWhZclNxRDZnUWJuMTR1eWxzRk9sZk5tQnJHaVJBRHZvQ2hiR2V3c2NuNlVRYXdva1FYT2l6S1Z4YzRzdjVsRnJDaVpaZjVXVWFheTJPbngvMlVSSzBybWtQK25LRk5aN05UNWRoYXhvbVE0ZjZBb1V4bnNWRGhmeVNCV2xNaEZ6amVMc3BYQnpqUS9FVkovN253dWcvVFlSWmI1TGJMeFpmN2RSblBzeHZ3TmJQQi9RK2ppWUk4ZC85ZGZldXdTKzJMYXF6L1BGaVp5Y2V2eXV4aDdISTZyaFoxdzdBNUpOMUQ5elNjSDMzczJObEliL0JwYjZod3gxdVUzMGdVTHFWbXMwODZDbit3b2E5aHI3TEJIYWRWZEg4T1c0MCs0YmVlMDFPVTNmL3crNE1NNGlOSTg1LzNGUVJ2RmI1NzQ2SXJrelo4TnpaSzVKV29mNVQvQTMva1c1emMybzhaemZNQjJmeFNWenZvVG5uakZWZWNVZjFNMHhUckJQeG9KemZEVHB4VFk2T3BaZlg0VnBoNXlWTFlobmlFYTkzQlQvVkRvbUorTWN5ZjBPdkM5NElTdjJyZ2N0cHVDek1mQy9DNUd5aC9hVGdveU5Yb0V0dDd2SWptbk5tUmR6azlEa1hXSTg4RVhYQlJrYS9NUDZML2ZRWFJEcksyaTRSWkV3bUhhNGF0L3hYVHpnSU9DakUyK0JXUGZzY3ZXVmN4K0J5U2FRZ0o3OEQxV0hlK01mS1hCK1QxV2ZGZ2Rvb1FRbEw4dEN1aUdiY1lBZHlXcUc4UG5SZUM3ZDlPc0dFQStLMXVnZlJDZUFCaGQ1QnAyMmVqc01sTWR6dDh5NDFNUEZHYlIyNEs5OTRWZ29XM1JzNjc4OE93QURXbGFiSEYrcXo5ME1WYWN4Z01OcG1WY1BrUkIxRzRGWG16eFZjYm1hT1VkVTZyQUlhZHRnL0paSUpJaHlTNEt3dG0xSUE1bzBOQ2R1VzRRejF1RjlaN2ZPRXJYUXZEa1lVb05oVDYxUFF5T0htbjhzdDYxZE9uOE5VdnJzTCtTcW1jT2lLSzVHS0duR0xHTWlhZEtRd09DOVhhcThGbFVWRitPaDNKeG5UakdVNGNwOHVFS3R6SFd3ZlJTQ1hac2NTbEQ2ZDFybjI2TDZtODgyTGowVTBORFdmWGJXQ2duTHdlWjlSQUtsYUtoQWN4SFFYbUZYZkFiR1hPOEVlenhzQ3FjUlBOVVlDbjE3Ni9ob3JRQXEvTDdQMG81aktNQkZhS2p4OGN3c2RRUFpMVkxwdnNNYm5JVmV6eitrVFpiYkZEV25paUFlZGplcklGcGlGcmRFWjd0TFhWT25sTkxzbDBlUWUxZ2s4M1FyTlFWOC90eG9NOHFTUUhNVDJ5dGFGR2ozUzJydHNMUk9uL24zZUlwMnlSbC9RemtNWld5Nlp0OXVvYUIxNlpQYTZJQTVvT1dWbmltdEgzTWsycmJ3VkxkV2hWYXNHU0dOMnBUK2pmWS9vUzUwUXlhN0ppYjJHcnJlOEpsWHd4bmVqd1AxL3VsQU1hOGZOWXcyR3oyemZWVlduUm9wbThHN1JDWXFYak5MTW9vZ0RreXRlbmtmbzAyVDE2amg5QVA3R0M3L0xiSm9sNUg2OXVPZm1Fb2o3MHRMV0o1MHV5YmtENVdRUVllcmlzOEVSMlliRCttTFcrbWRvYTZaUUpUazgrVzRZNnZHNXByVlJSYm5iYTFDeU5aT0xjNWN0SHZRdTh1dEY5WHN3bWl5VzBuRFJTWm1pTS9yR1FubTA2NjBoc2RIcUN1bzBJZ2pKTFY5TmFxWmg3b0xISHprNXgvWHdsa3k3M1d4NXdPUzVIMHN0dHJ6VzgzN0x1T09yK1oxM2tDRmFaaUdVWDBMSE5GY0J0WE9CZkhQTkZOSlgxaXlmaE0wblh2YStodmNqaWdHOXJsSFJZTUdtOHlwcmRyTkxXNG9JMHdyUnVtaW53TnZyTXR0d3d6MUxWVURWNFZXNnEvWVZZV2dZdEovaldnc3dZcjdBM1ZuMDNLSE9wcXFyOWgycnR0a1hnUDBEMXNhWVBoMWpBdUtGWjVyY0c2Nm0rWVY3YTFtb1NzS1ZEV21qOFpCSHJhbGN4WnJiOGRxK2Vjck02NHpkQkVXb08yVnNxVDFhZTlmUmtiSkdvMGI5STBrV2wrV1N2bHl1clRYc2NZb0ZtMnVCcUtkYm1jdlpwM2F0YW1QUXhjdVg1b3hzSXNCVkNtQXdJbHNhQ1dzOXl2U1RFY21xRm16UFFVd1N4K1NGbFNPZXZ4aW1xNks1ZXpKYkdSVkRYK3VTMDFIREJCYjBQQmJOTGtZaitja3FhbjFISTJKYzliWksxbnBxZW12WTBndkQyV2E1eFM1WEMwSnh2M0ZLWUZ2MjJ0VktFeWgrbzFPcko5VkJ5dXF0b3dOOTlBaURKeU5mbENSWXZKWnEyTFVMSU9kYldsUm1zNEEzWldWRzJRbzEwUHZZbHlTbTlvc2NDV2pJV2NSQk1haFFjTnFNSEFwYTFIWmJRN3Q2eDdXcVc0MnJtbUN2dk8rejRsRThzaDVoWUhEYmlJTEdtYkhua2dtTG10SVlwVU9qdjR4YnRFZXZIRmx4NVVvWnFzOTh0Z01vbnVFUEJvVUlqOVIxekp5L1lRUlFyVXVaNmE4bnEyakJZRjRPR1N0czVPTmsyQkZCMlBha2w3MEptMExtdXZraG9VUWk1b1BUdURSb3grUGUxbFVLR0xiS2hwaisyVDkvWno3YSt3Z3NmU2tXNHJRMzVYVFhzNGJMbk5IaG4wTTJpUkl1Z3JzWlJMR2JUMnRDaWcydUpQOCtlbHFTd1pySXV4bEVXSExyT3dkcUNLVTNjT2ZxNUtaYTcwUU9tQjBnUHZYQS84TGpiVnFzTGRteFBoRXdWb0tKZDN4VCtidStzTW9aTEZ2Q3YrMmNDcnZCb0V3TU4vdjNJMjZrc3RwUWRLRDVRZUtEMVFlcUQwUU9tQjBnT2xCMG9QbEI0b1BWQjZvUFJBNllIU0E2VUhTZytVSGlnOVVIcWc5RURwZ2RJRHBRZEtEN0NTdlRCSEovQmxMM3c4OTdjbVBjSGlLNHBOWjVIRnpzaFhISjFsc3pVRXZBTlh5YW02L1hjWnJyb2MyK0dybFltdnpoZnVHVkpRL2RldkdnNC9HeG1TeWx2RWwwQVRWY3lvTHprSDlWMzhnS3hidVBmUzJBdVhoMy9sK2R5bG43VTNDb2VYeGw0NEFvOThXRHk4TlBiQ0NZR1h4bDQ0SWZEUzJBc25CSjcyL2VQWUNKNE1lUGhaM1VvTVZsU1lESGhncGRxTUVNVStKd05lS252aFpNQkxaUytjREhpcDdJV1RBUytWdlhBeTRLV3lGNTREUEIvMnd1TGhlYkVYRmc1dnlZdTlzSEI0ZnV5RlJjUHpaQzhzR3A0VGUrRkZiQ2RHMG9mbGFqZStjTlNOdlhENFJ6RUNxdm9OMWZqZ3ViRVh6dDkzTlV3ZEh1V3UzbCtBOTN6WkN3dnVlNzdzaFdPRVYvbVNmQnd5bzVFNUlBUU55V2Z3NjdWMkNudmgrT0JoZGRpVHNNSU1nUGl4RjQ0TjNsUXJJVURIRCtIVlVVODlJcnN6c0JlT0N4NHh4Z3lmandqS0xmRWpYK0hNUTJBVm1hMWcxNS9FWGpnbWVEU3hqcUlUcEZGeS90b0ZQTEhETUxBWGpnY2VNY1lrc1pEU2J5VGxvVTROaFQ2NXo4QmVPQlo0eEJpalpsSHhBSU0vOVBOY0wvYkNSSGk5ZkVkQVJOQ1d6SUNMWXp3dUQxN2x3eld3RnliQzIxZTM2TTlleUlqZTdnWE5aWHAyWGFQdWlvWUdNQjlSbTBOc3hZZlpDMGZnVlovNCsxK2cvOW12UDBIZE5nTjdvWkVjMEplOWNBUmVEOWlDUk9mTC91eUY3NFh3SytRTWEybzRzQmNtd0Z1N2RQVlRWNTllby83bnoxNzRTeE14WlF3eExXcFc5c0lSZURFVnZ1eUZWZkRabk96RVZLUVdjSnhzWi9Nenc2dHRlN0VYVnRIYkRhU29jYVJPN0lWbWVIN3NoWUxQUmd6Q09KRGtVczJGdmRBSXo0KzlzTklGbjAwN0dVdkMxWTZkTm9veEl6d3Y5a0xhWHAvMkUzQWtYM0pqTHh4NXI2RXI4MkV2cEFEcWxsamhkUTNwZVRmMndwRzNRcnBDRC9aQ0NxQSs3b0dPb1NjMGRWc1o4dTdzaFJSQTNldGpBU3VacEh2eWtkUGJPck1YdWxEdTZZb1pLNUs5a0FJb0MwZHJIQnp4a0V1NnArRXFyekoyTHpJRTZpVy8xbndLNk56NWJJUjFMQm1Gc1JlaTMzbncyUWg0QmJJWDRrMzJ5WXJYRXltV3ZYRFhQUTRJNzZKUTlrS0tVM3orZjByaDdJVVU1Ym5Gb01KOWhiTVhVb3o4a0hQL0s1NjkwUDMvcDlCWndXWG5PN0UwMUtjOUkzdWhFLzE0WU93ODJBc1o3VzZkSnVmellDK0VYMXlYdG5OZ0x4UlBqZWpIN1VSMzU4QmVHSFpncDdDcWVQYkNFQjMyeGZhZ3RIajJRb21PTVJIUzk3VUxJOW5pMlF0MUNMWU5VZkhzaFRvNmtDOTJqZHZKYzJBdmpPTXpiOGJybUIxVmFzWkZ2VXRaMkF2cEtDTXRBSndFOWtMRFFSQ1E2Mm5QMjE5eGdRMXRkN0ZQRzFNMzlrTFFRaWNHZ0ZqQlkra29iczI3dEt0OWU4aUh2VERsRUhKaTJBc3B3Qm9OQUlkZjFIcTdhMGdnTzNzaEFxeDhQSkZEU002NmlBQXJiODgvYTBneGZWZlcrckh5TzZ6d2Z5UUhEWUxEdUdFeEFBQUFBRWxGVGtTdVFtQ0MiCn0K"/>
-    </extobj>
-  </extobjs>
-</s:customData>
-</file>
-
-<file path=customXml/itemProps1.xml><?xml version="1.0" encoding="utf-8"?>
-<ds:datastoreItem xmlns:ds="http://schemas.openxmlformats.org/officeDocument/2006/customXml" ds:itemID="s:customData">
-  <ds:schemaRefs>
-    <ds:schemaRef ds:uri="http://www.wps.cn/officeDocument/2013/wpsCustomData"/>
-  </ds:schemaRefs>
-</ds:datastoreItem>
 </file>